--- a/lecture_video_slides/geog4300_f20_L07-2 Sampling.pptx
+++ b/lecture_video_slides/geog4300_f20_L07-2 Sampling.pptx
@@ -15890,7 +15890,7 @@
               <a:buNone/>
             </a:pPr>
             <a:r>
-              <a:rPr lang="en-US" sz="2800" u="sng">
+              <a:rPr lang="en-US" sz="2800" u="sng" dirty="0">
                 <a:solidFill>
                   <a:srgbClr val="FFFF66"/>
                 </a:solidFill>
@@ -15902,7 +15902,7 @@
               <a:t>Non-probability sample</a:t>
             </a:r>
             <a:br>
-              <a:rPr lang="en-US" sz="2800" u="sng">
+              <a:rPr lang="en-US" sz="2800" u="sng" dirty="0">
                 <a:solidFill>
                   <a:srgbClr val="FFFF66"/>
                 </a:solidFill>
@@ -15913,7 +15913,7 @@
               </a:rPr>
             </a:br>
             <a:r>
-              <a:rPr lang="en-US" sz="2800">
+              <a:rPr lang="en-US" sz="2800" dirty="0">
                 <a:solidFill>
                   <a:srgbClr val="FFFF66"/>
                 </a:solidFill>
@@ -15934,7 +15934,7 @@
               <a:buNone/>
             </a:pPr>
             <a:r>
-              <a:rPr lang="en-US" sz="2800">
+              <a:rPr lang="en-US" sz="2800" dirty="0">
                 <a:solidFill>
                   <a:srgbClr val="FFFF66"/>
                 </a:solidFill>
@@ -15955,7 +15955,7 @@
               <a:buNone/>
             </a:pPr>
             <a:r>
-              <a:rPr lang="en-US" sz="2800">
+              <a:rPr lang="en-US" sz="2800" dirty="0">
                 <a:solidFill>
                   <a:srgbClr val="FFFF66"/>
                 </a:solidFill>
@@ -16192,8 +16192,29 @@
                 <a:cs typeface="Gill Sans MT"/>
                 <a:sym typeface="Gill Sans MT"/>
               </a:rPr>
-              <a:t>How would it be used with our study of Clarke County veterans?</a:t>
+              <a:t>How would it be used with our study </a:t>
             </a:r>
+            <a:r>
+              <a:rPr lang="en-US" sz="2400">
+                <a:solidFill>
+                  <a:srgbClr val="FFFF66"/>
+                </a:solidFill>
+                <a:latin typeface="Gill Sans MT"/>
+                <a:ea typeface="Gill Sans MT"/>
+                <a:cs typeface="Gill Sans MT"/>
+                <a:sym typeface="Gill Sans MT"/>
+              </a:rPr>
+              <a:t>of homeowners?</a:t>
+            </a:r>
+            <a:endParaRPr lang="en-US" sz="2400" dirty="0">
+              <a:solidFill>
+                <a:srgbClr val="FFFF66"/>
+              </a:solidFill>
+              <a:latin typeface="Gill Sans MT"/>
+              <a:ea typeface="Gill Sans MT"/>
+              <a:cs typeface="Gill Sans MT"/>
+              <a:sym typeface="Gill Sans MT"/>
+            </a:endParaRPr>
           </a:p>
         </p:txBody>
       </p:sp>
